--- a/ppt/kittaet_ppt.pptx
+++ b/ppt/kittaet_ppt.pptx
@@ -342,7 +342,7 @@
           <a:p>
             <a:fld id="{9ACF81FA-60CA-493A-8542-0B27EF5B4C44}" type="datetimeFigureOut">
               <a:rPr lang="en-AU" smtClean="0"/>
-              <a:t>28/04/2020</a:t>
+              <a:t>29/04/2020</a:t>
             </a:fld>
             <a:endParaRPr lang="en-AU"/>
           </a:p>
@@ -550,7 +550,7 @@
           <a:p>
             <a:fld id="{9ACF81FA-60CA-493A-8542-0B27EF5B4C44}" type="datetimeFigureOut">
               <a:rPr lang="en-AU" smtClean="0"/>
-              <a:t>28/04/2020</a:t>
+              <a:t>29/04/2020</a:t>
             </a:fld>
             <a:endParaRPr lang="en-AU"/>
           </a:p>
@@ -806,7 +806,7 @@
           <a:p>
             <a:fld id="{9ACF81FA-60CA-493A-8542-0B27EF5B4C44}" type="datetimeFigureOut">
               <a:rPr lang="en-AU" smtClean="0"/>
-              <a:t>28/04/2020</a:t>
+              <a:t>29/04/2020</a:t>
             </a:fld>
             <a:endParaRPr lang="en-AU"/>
           </a:p>
@@ -980,7 +980,7 @@
           <a:p>
             <a:fld id="{9ACF81FA-60CA-493A-8542-0B27EF5B4C44}" type="datetimeFigureOut">
               <a:rPr lang="en-AU" smtClean="0"/>
-              <a:t>28/04/2020</a:t>
+              <a:t>29/04/2020</a:t>
             </a:fld>
             <a:endParaRPr lang="en-AU"/>
           </a:p>
@@ -1323,7 +1323,7 @@
           <a:p>
             <a:fld id="{9ACF81FA-60CA-493A-8542-0B27EF5B4C44}" type="datetimeFigureOut">
               <a:rPr lang="en-AU" smtClean="0"/>
-              <a:t>28/04/2020</a:t>
+              <a:t>29/04/2020</a:t>
             </a:fld>
             <a:endParaRPr lang="en-AU"/>
           </a:p>
@@ -1598,7 +1598,7 @@
           <a:p>
             <a:fld id="{9ACF81FA-60CA-493A-8542-0B27EF5B4C44}" type="datetimeFigureOut">
               <a:rPr lang="en-AU" smtClean="0"/>
-              <a:t>28/04/2020</a:t>
+              <a:t>29/04/2020</a:t>
             </a:fld>
             <a:endParaRPr lang="en-AU"/>
           </a:p>
@@ -1977,7 +1977,7 @@
           <a:p>
             <a:fld id="{9ACF81FA-60CA-493A-8542-0B27EF5B4C44}" type="datetimeFigureOut">
               <a:rPr lang="en-AU" smtClean="0"/>
-              <a:t>28/04/2020</a:t>
+              <a:t>29/04/2020</a:t>
             </a:fld>
             <a:endParaRPr lang="en-AU"/>
           </a:p>
@@ -2095,7 +2095,7 @@
           <a:p>
             <a:fld id="{9ACF81FA-60CA-493A-8542-0B27EF5B4C44}" type="datetimeFigureOut">
               <a:rPr lang="en-AU" smtClean="0"/>
-              <a:t>28/04/2020</a:t>
+              <a:t>29/04/2020</a:t>
             </a:fld>
             <a:endParaRPr lang="en-AU"/>
           </a:p>
@@ -2266,7 +2266,7 @@
           <a:p>
             <a:fld id="{9ACF81FA-60CA-493A-8542-0B27EF5B4C44}" type="datetimeFigureOut">
               <a:rPr lang="en-AU" smtClean="0"/>
-              <a:t>28/04/2020</a:t>
+              <a:t>29/04/2020</a:t>
             </a:fld>
             <a:endParaRPr lang="en-AU"/>
           </a:p>
@@ -2620,7 +2620,7 @@
           <a:p>
             <a:fld id="{9ACF81FA-60CA-493A-8542-0B27EF5B4C44}" type="datetimeFigureOut">
               <a:rPr lang="en-AU" smtClean="0"/>
-              <a:t>28/04/2020</a:t>
+              <a:t>29/04/2020</a:t>
             </a:fld>
             <a:endParaRPr lang="en-AU"/>
           </a:p>
@@ -3002,7 +3002,7 @@
           <a:p>
             <a:fld id="{9ACF81FA-60CA-493A-8542-0B27EF5B4C44}" type="datetimeFigureOut">
               <a:rPr lang="en-AU" smtClean="0"/>
-              <a:t>28/04/2020</a:t>
+              <a:t>29/04/2020</a:t>
             </a:fld>
             <a:endParaRPr lang="en-AU"/>
           </a:p>
@@ -3289,7 +3289,7 @@
           <a:p>
             <a:fld id="{9ACF81FA-60CA-493A-8542-0B27EF5B4C44}" type="datetimeFigureOut">
               <a:rPr lang="en-AU" smtClean="0"/>
-              <a:t>28/04/2020</a:t>
+              <a:t>29/04/2020</a:t>
             </a:fld>
             <a:endParaRPr lang="en-AU"/>
           </a:p>
